--- a/docs/database/images/img.pptx
+++ b/docs/database/images/img.pptx
@@ -6,6 +6,7 @@
   </p:sldMasterIdLst>
   <p:sldIdLst>
     <p:sldId id="256" r:id="rId2"/>
+    <p:sldId id="257" r:id="rId3"/>
   </p:sldIdLst>
   <p:sldSz cx="12192000" cy="6858000"/>
   <p:notesSz cx="6858000" cy="9144000"/>
@@ -104,6 +105,11 @@
       </a:defRPr>
     </a:lvl9pPr>
   </p:defaultTextStyle>
+  <p:extLst>
+    <p:ext uri="{EFAFB233-063F-42B5-8137-9DF3F51BA10A}">
+      <p15:sldGuideLst xmlns:p15="http://schemas.microsoft.com/office/powerpoint/2012/main"/>
+    </p:ext>
+  </p:extLst>
 </p:presentation>
 </file>
 
@@ -129,7 +135,7 @@
           <p:cNvPr id="2" name="标题 1">
             <a:extLst>
               <a:ext uri="{FF2B5EF4-FFF2-40B4-BE49-F238E27FC236}">
-                <a16:creationId xmlns:a16="http://schemas.microsoft.com/office/drawing/2014/main" id="{6959EEBF-A8EB-5A47-86D1-8F213EE0B590}"/>
+                <a16:creationId xmlns:a16="http://schemas.microsoft.com/office/drawing/2014/main" xmlns="" id="{6959EEBF-A8EB-5A47-86D1-8F213EE0B590}"/>
               </a:ext>
             </a:extLst>
           </p:cNvPr>
@@ -166,7 +172,7 @@
           <p:cNvPr id="3" name="副标题 2">
             <a:extLst>
               <a:ext uri="{FF2B5EF4-FFF2-40B4-BE49-F238E27FC236}">
-                <a16:creationId xmlns:a16="http://schemas.microsoft.com/office/drawing/2014/main" id="{6C43C3B4-747B-0040-BFA9-4A71CB808B66}"/>
+                <a16:creationId xmlns:a16="http://schemas.microsoft.com/office/drawing/2014/main" xmlns="" id="{6C43C3B4-747B-0040-BFA9-4A71CB808B66}"/>
               </a:ext>
             </a:extLst>
           </p:cNvPr>
@@ -236,7 +242,7 @@
           <p:cNvPr id="4" name="日期占位符 3">
             <a:extLst>
               <a:ext uri="{FF2B5EF4-FFF2-40B4-BE49-F238E27FC236}">
-                <a16:creationId xmlns:a16="http://schemas.microsoft.com/office/drawing/2014/main" id="{918930E9-FBF0-1248-98C7-8971E9833634}"/>
+                <a16:creationId xmlns:a16="http://schemas.microsoft.com/office/drawing/2014/main" xmlns="" id="{918930E9-FBF0-1248-98C7-8971E9833634}"/>
               </a:ext>
             </a:extLst>
           </p:cNvPr>
@@ -254,7 +260,7 @@
           <a:p>
             <a:fld id="{EE635667-D871-944B-8BBB-E0C586BD280B}" type="datetimeFigureOut">
               <a:rPr kumimoji="1" lang="zh-CN" altLang="en-US" smtClean="0"/>
-              <a:t>2018/12/23</a:t>
+              <a:t>2020/2/16</a:t>
             </a:fld>
             <a:endParaRPr kumimoji="1" lang="zh-CN" altLang="en-US"/>
           </a:p>
@@ -265,7 +271,7 @@
           <p:cNvPr id="5" name="页脚占位符 4">
             <a:extLst>
               <a:ext uri="{FF2B5EF4-FFF2-40B4-BE49-F238E27FC236}">
-                <a16:creationId xmlns:a16="http://schemas.microsoft.com/office/drawing/2014/main" id="{1ACE8521-6F6D-FD49-B443-6041A5B57D28}"/>
+                <a16:creationId xmlns:a16="http://schemas.microsoft.com/office/drawing/2014/main" xmlns="" id="{1ACE8521-6F6D-FD49-B443-6041A5B57D28}"/>
               </a:ext>
             </a:extLst>
           </p:cNvPr>
@@ -290,7 +296,7 @@
           <p:cNvPr id="6" name="灯片编号占位符 5">
             <a:extLst>
               <a:ext uri="{FF2B5EF4-FFF2-40B4-BE49-F238E27FC236}">
-                <a16:creationId xmlns:a16="http://schemas.microsoft.com/office/drawing/2014/main" id="{CD45D02E-7C45-7A46-A367-86C622C09EB2}"/>
+                <a16:creationId xmlns:a16="http://schemas.microsoft.com/office/drawing/2014/main" xmlns="" id="{CD45D02E-7C45-7A46-A367-86C622C09EB2}"/>
               </a:ext>
             </a:extLst>
           </p:cNvPr>
@@ -349,7 +355,7 @@
           <p:cNvPr id="2" name="标题 1">
             <a:extLst>
               <a:ext uri="{FF2B5EF4-FFF2-40B4-BE49-F238E27FC236}">
-                <a16:creationId xmlns:a16="http://schemas.microsoft.com/office/drawing/2014/main" id="{BC2591A2-2A1B-F047-BDBF-2D05A7307F04}"/>
+                <a16:creationId xmlns:a16="http://schemas.microsoft.com/office/drawing/2014/main" xmlns="" id="{BC2591A2-2A1B-F047-BDBF-2D05A7307F04}"/>
               </a:ext>
             </a:extLst>
           </p:cNvPr>
@@ -377,7 +383,7 @@
           <p:cNvPr id="3" name="竖排文字占位符 2">
             <a:extLst>
               <a:ext uri="{FF2B5EF4-FFF2-40B4-BE49-F238E27FC236}">
-                <a16:creationId xmlns:a16="http://schemas.microsoft.com/office/drawing/2014/main" id="{E377577B-B702-A841-A6A0-7ABCB67E9576}"/>
+                <a16:creationId xmlns:a16="http://schemas.microsoft.com/office/drawing/2014/main" xmlns="" id="{E377577B-B702-A841-A6A0-7ABCB67E9576}"/>
               </a:ext>
             </a:extLst>
           </p:cNvPr>
@@ -409,7 +415,7 @@
           <p:cNvPr id="4" name="日期占位符 3">
             <a:extLst>
               <a:ext uri="{FF2B5EF4-FFF2-40B4-BE49-F238E27FC236}">
-                <a16:creationId xmlns:a16="http://schemas.microsoft.com/office/drawing/2014/main" id="{6F745D00-C7DF-6F46-A849-AE8EBBEAA001}"/>
+                <a16:creationId xmlns:a16="http://schemas.microsoft.com/office/drawing/2014/main" xmlns="" id="{6F745D00-C7DF-6F46-A849-AE8EBBEAA001}"/>
               </a:ext>
             </a:extLst>
           </p:cNvPr>
@@ -427,7 +433,7 @@
           <a:p>
             <a:fld id="{EE635667-D871-944B-8BBB-E0C586BD280B}" type="datetimeFigureOut">
               <a:rPr kumimoji="1" lang="zh-CN" altLang="en-US" smtClean="0"/>
-              <a:t>2018/12/23</a:t>
+              <a:t>2020/2/16</a:t>
             </a:fld>
             <a:endParaRPr kumimoji="1" lang="zh-CN" altLang="en-US"/>
           </a:p>
@@ -438,7 +444,7 @@
           <p:cNvPr id="5" name="页脚占位符 4">
             <a:extLst>
               <a:ext uri="{FF2B5EF4-FFF2-40B4-BE49-F238E27FC236}">
-                <a16:creationId xmlns:a16="http://schemas.microsoft.com/office/drawing/2014/main" id="{CFB79DCC-BE25-4549-9F0E-70CE6A329E98}"/>
+                <a16:creationId xmlns:a16="http://schemas.microsoft.com/office/drawing/2014/main" xmlns="" id="{CFB79DCC-BE25-4549-9F0E-70CE6A329E98}"/>
               </a:ext>
             </a:extLst>
           </p:cNvPr>
@@ -463,7 +469,7 @@
           <p:cNvPr id="6" name="灯片编号占位符 5">
             <a:extLst>
               <a:ext uri="{FF2B5EF4-FFF2-40B4-BE49-F238E27FC236}">
-                <a16:creationId xmlns:a16="http://schemas.microsoft.com/office/drawing/2014/main" id="{4FC496F3-9A2C-DD4D-A4FE-C50A05241239}"/>
+                <a16:creationId xmlns:a16="http://schemas.microsoft.com/office/drawing/2014/main" xmlns="" id="{4FC496F3-9A2C-DD4D-A4FE-C50A05241239}"/>
               </a:ext>
             </a:extLst>
           </p:cNvPr>
@@ -522,7 +528,7 @@
           <p:cNvPr id="2" name="竖排标题 1">
             <a:extLst>
               <a:ext uri="{FF2B5EF4-FFF2-40B4-BE49-F238E27FC236}">
-                <a16:creationId xmlns:a16="http://schemas.microsoft.com/office/drawing/2014/main" id="{2F2C05EB-E750-5C48-A43B-04B2E472A041}"/>
+                <a16:creationId xmlns:a16="http://schemas.microsoft.com/office/drawing/2014/main" xmlns="" id="{2F2C05EB-E750-5C48-A43B-04B2E472A041}"/>
               </a:ext>
             </a:extLst>
           </p:cNvPr>
@@ -555,7 +561,7 @@
           <p:cNvPr id="3" name="竖排文字占位符 2">
             <a:extLst>
               <a:ext uri="{FF2B5EF4-FFF2-40B4-BE49-F238E27FC236}">
-                <a16:creationId xmlns:a16="http://schemas.microsoft.com/office/drawing/2014/main" id="{72312FC4-FD6A-1A4F-8172-C2E075617ACD}"/>
+                <a16:creationId xmlns:a16="http://schemas.microsoft.com/office/drawing/2014/main" xmlns="" id="{72312FC4-FD6A-1A4F-8172-C2E075617ACD}"/>
               </a:ext>
             </a:extLst>
           </p:cNvPr>
@@ -592,7 +598,7 @@
           <p:cNvPr id="4" name="日期占位符 3">
             <a:extLst>
               <a:ext uri="{FF2B5EF4-FFF2-40B4-BE49-F238E27FC236}">
-                <a16:creationId xmlns:a16="http://schemas.microsoft.com/office/drawing/2014/main" id="{67F22C8E-FAD9-4A48-B687-F520FE3EED52}"/>
+                <a16:creationId xmlns:a16="http://schemas.microsoft.com/office/drawing/2014/main" xmlns="" id="{67F22C8E-FAD9-4A48-B687-F520FE3EED52}"/>
               </a:ext>
             </a:extLst>
           </p:cNvPr>
@@ -610,7 +616,7 @@
           <a:p>
             <a:fld id="{EE635667-D871-944B-8BBB-E0C586BD280B}" type="datetimeFigureOut">
               <a:rPr kumimoji="1" lang="zh-CN" altLang="en-US" smtClean="0"/>
-              <a:t>2018/12/23</a:t>
+              <a:t>2020/2/16</a:t>
             </a:fld>
             <a:endParaRPr kumimoji="1" lang="zh-CN" altLang="en-US"/>
           </a:p>
@@ -621,7 +627,7 @@
           <p:cNvPr id="5" name="页脚占位符 4">
             <a:extLst>
               <a:ext uri="{FF2B5EF4-FFF2-40B4-BE49-F238E27FC236}">
-                <a16:creationId xmlns:a16="http://schemas.microsoft.com/office/drawing/2014/main" id="{9BF04BD9-57EA-2D4B-B349-A9719CC60918}"/>
+                <a16:creationId xmlns:a16="http://schemas.microsoft.com/office/drawing/2014/main" xmlns="" id="{9BF04BD9-57EA-2D4B-B349-A9719CC60918}"/>
               </a:ext>
             </a:extLst>
           </p:cNvPr>
@@ -646,7 +652,7 @@
           <p:cNvPr id="6" name="灯片编号占位符 5">
             <a:extLst>
               <a:ext uri="{FF2B5EF4-FFF2-40B4-BE49-F238E27FC236}">
-                <a16:creationId xmlns:a16="http://schemas.microsoft.com/office/drawing/2014/main" id="{4F6B9413-B934-6F49-B2D0-D08C79CE0941}"/>
+                <a16:creationId xmlns:a16="http://schemas.microsoft.com/office/drawing/2014/main" xmlns="" id="{4F6B9413-B934-6F49-B2D0-D08C79CE0941}"/>
               </a:ext>
             </a:extLst>
           </p:cNvPr>
@@ -705,7 +711,7 @@
           <p:cNvPr id="2" name="标题 1">
             <a:extLst>
               <a:ext uri="{FF2B5EF4-FFF2-40B4-BE49-F238E27FC236}">
-                <a16:creationId xmlns:a16="http://schemas.microsoft.com/office/drawing/2014/main" id="{52A4B5E7-D7EF-3C4E-AC55-DE7511AD288F}"/>
+                <a16:creationId xmlns:a16="http://schemas.microsoft.com/office/drawing/2014/main" xmlns="" id="{52A4B5E7-D7EF-3C4E-AC55-DE7511AD288F}"/>
               </a:ext>
             </a:extLst>
           </p:cNvPr>
@@ -733,7 +739,7 @@
           <p:cNvPr id="3" name="内容占位符 2">
             <a:extLst>
               <a:ext uri="{FF2B5EF4-FFF2-40B4-BE49-F238E27FC236}">
-                <a16:creationId xmlns:a16="http://schemas.microsoft.com/office/drawing/2014/main" id="{A1051294-940D-674C-955A-16896ADCE22F}"/>
+                <a16:creationId xmlns:a16="http://schemas.microsoft.com/office/drawing/2014/main" xmlns="" id="{A1051294-940D-674C-955A-16896ADCE22F}"/>
               </a:ext>
             </a:extLst>
           </p:cNvPr>
@@ -765,7 +771,7 @@
           <p:cNvPr id="4" name="日期占位符 3">
             <a:extLst>
               <a:ext uri="{FF2B5EF4-FFF2-40B4-BE49-F238E27FC236}">
-                <a16:creationId xmlns:a16="http://schemas.microsoft.com/office/drawing/2014/main" id="{05847CAC-5FBD-834C-9D1A-7749E523F622}"/>
+                <a16:creationId xmlns:a16="http://schemas.microsoft.com/office/drawing/2014/main" xmlns="" id="{05847CAC-5FBD-834C-9D1A-7749E523F622}"/>
               </a:ext>
             </a:extLst>
           </p:cNvPr>
@@ -783,7 +789,7 @@
           <a:p>
             <a:fld id="{EE635667-D871-944B-8BBB-E0C586BD280B}" type="datetimeFigureOut">
               <a:rPr kumimoji="1" lang="zh-CN" altLang="en-US" smtClean="0"/>
-              <a:t>2018/12/23</a:t>
+              <a:t>2020/2/16</a:t>
             </a:fld>
             <a:endParaRPr kumimoji="1" lang="zh-CN" altLang="en-US"/>
           </a:p>
@@ -794,7 +800,7 @@
           <p:cNvPr id="5" name="页脚占位符 4">
             <a:extLst>
               <a:ext uri="{FF2B5EF4-FFF2-40B4-BE49-F238E27FC236}">
-                <a16:creationId xmlns:a16="http://schemas.microsoft.com/office/drawing/2014/main" id="{79DB6267-7E24-414A-83A2-8D5BFD067286}"/>
+                <a16:creationId xmlns:a16="http://schemas.microsoft.com/office/drawing/2014/main" xmlns="" id="{79DB6267-7E24-414A-83A2-8D5BFD067286}"/>
               </a:ext>
             </a:extLst>
           </p:cNvPr>
@@ -819,7 +825,7 @@
           <p:cNvPr id="6" name="灯片编号占位符 5">
             <a:extLst>
               <a:ext uri="{FF2B5EF4-FFF2-40B4-BE49-F238E27FC236}">
-                <a16:creationId xmlns:a16="http://schemas.microsoft.com/office/drawing/2014/main" id="{9A187766-80CC-6546-A521-DF4A4B179A9C}"/>
+                <a16:creationId xmlns:a16="http://schemas.microsoft.com/office/drawing/2014/main" xmlns="" id="{9A187766-80CC-6546-A521-DF4A4B179A9C}"/>
               </a:ext>
             </a:extLst>
           </p:cNvPr>
@@ -878,7 +884,7 @@
           <p:cNvPr id="2" name="标题 1">
             <a:extLst>
               <a:ext uri="{FF2B5EF4-FFF2-40B4-BE49-F238E27FC236}">
-                <a16:creationId xmlns:a16="http://schemas.microsoft.com/office/drawing/2014/main" id="{021B03C8-8499-C24A-80E2-7A38F92C77D6}"/>
+                <a16:creationId xmlns:a16="http://schemas.microsoft.com/office/drawing/2014/main" xmlns="" id="{021B03C8-8499-C24A-80E2-7A38F92C77D6}"/>
               </a:ext>
             </a:extLst>
           </p:cNvPr>
@@ -915,7 +921,7 @@
           <p:cNvPr id="3" name="文本占位符 2">
             <a:extLst>
               <a:ext uri="{FF2B5EF4-FFF2-40B4-BE49-F238E27FC236}">
-                <a16:creationId xmlns:a16="http://schemas.microsoft.com/office/drawing/2014/main" id="{0364244D-5F29-EC4C-9FCC-625A59979747}"/>
+                <a16:creationId xmlns:a16="http://schemas.microsoft.com/office/drawing/2014/main" xmlns="" id="{0364244D-5F29-EC4C-9FCC-625A59979747}"/>
               </a:ext>
             </a:extLst>
           </p:cNvPr>
@@ -1043,7 +1049,7 @@
           <p:cNvPr id="4" name="日期占位符 3">
             <a:extLst>
               <a:ext uri="{FF2B5EF4-FFF2-40B4-BE49-F238E27FC236}">
-                <a16:creationId xmlns:a16="http://schemas.microsoft.com/office/drawing/2014/main" id="{C1FA5F1A-86FF-CB4C-B1C6-CF094C00E82D}"/>
+                <a16:creationId xmlns:a16="http://schemas.microsoft.com/office/drawing/2014/main" xmlns="" id="{C1FA5F1A-86FF-CB4C-B1C6-CF094C00E82D}"/>
               </a:ext>
             </a:extLst>
           </p:cNvPr>
@@ -1061,7 +1067,7 @@
           <a:p>
             <a:fld id="{EE635667-D871-944B-8BBB-E0C586BD280B}" type="datetimeFigureOut">
               <a:rPr kumimoji="1" lang="zh-CN" altLang="en-US" smtClean="0"/>
-              <a:t>2018/12/23</a:t>
+              <a:t>2020/2/16</a:t>
             </a:fld>
             <a:endParaRPr kumimoji="1" lang="zh-CN" altLang="en-US"/>
           </a:p>
@@ -1072,7 +1078,7 @@
           <p:cNvPr id="5" name="页脚占位符 4">
             <a:extLst>
               <a:ext uri="{FF2B5EF4-FFF2-40B4-BE49-F238E27FC236}">
-                <a16:creationId xmlns:a16="http://schemas.microsoft.com/office/drawing/2014/main" id="{86F86D72-9B0E-ED4E-BE0E-00E135311811}"/>
+                <a16:creationId xmlns:a16="http://schemas.microsoft.com/office/drawing/2014/main" xmlns="" id="{86F86D72-9B0E-ED4E-BE0E-00E135311811}"/>
               </a:ext>
             </a:extLst>
           </p:cNvPr>
@@ -1097,7 +1103,7 @@
           <p:cNvPr id="6" name="灯片编号占位符 5">
             <a:extLst>
               <a:ext uri="{FF2B5EF4-FFF2-40B4-BE49-F238E27FC236}">
-                <a16:creationId xmlns:a16="http://schemas.microsoft.com/office/drawing/2014/main" id="{88774E8D-CDD3-B249-86B2-407CF89453E6}"/>
+                <a16:creationId xmlns:a16="http://schemas.microsoft.com/office/drawing/2014/main" xmlns="" id="{88774E8D-CDD3-B249-86B2-407CF89453E6}"/>
               </a:ext>
             </a:extLst>
           </p:cNvPr>
@@ -1156,7 +1162,7 @@
           <p:cNvPr id="2" name="标题 1">
             <a:extLst>
               <a:ext uri="{FF2B5EF4-FFF2-40B4-BE49-F238E27FC236}">
-                <a16:creationId xmlns:a16="http://schemas.microsoft.com/office/drawing/2014/main" id="{54344B0F-BC02-5F44-A96C-2C839995FA95}"/>
+                <a16:creationId xmlns:a16="http://schemas.microsoft.com/office/drawing/2014/main" xmlns="" id="{54344B0F-BC02-5F44-A96C-2C839995FA95}"/>
               </a:ext>
             </a:extLst>
           </p:cNvPr>
@@ -1184,7 +1190,7 @@
           <p:cNvPr id="3" name="内容占位符 2">
             <a:extLst>
               <a:ext uri="{FF2B5EF4-FFF2-40B4-BE49-F238E27FC236}">
-                <a16:creationId xmlns:a16="http://schemas.microsoft.com/office/drawing/2014/main" id="{EDD5F3FC-5757-6F4F-990E-2D6BCD1798D1}"/>
+                <a16:creationId xmlns:a16="http://schemas.microsoft.com/office/drawing/2014/main" xmlns="" id="{EDD5F3FC-5757-6F4F-990E-2D6BCD1798D1}"/>
               </a:ext>
             </a:extLst>
           </p:cNvPr>
@@ -1221,7 +1227,7 @@
           <p:cNvPr id="4" name="内容占位符 3">
             <a:extLst>
               <a:ext uri="{FF2B5EF4-FFF2-40B4-BE49-F238E27FC236}">
-                <a16:creationId xmlns:a16="http://schemas.microsoft.com/office/drawing/2014/main" id="{AD2F8D55-AC66-BF4C-A44A-C82CA4BAF297}"/>
+                <a16:creationId xmlns:a16="http://schemas.microsoft.com/office/drawing/2014/main" xmlns="" id="{AD2F8D55-AC66-BF4C-A44A-C82CA4BAF297}"/>
               </a:ext>
             </a:extLst>
           </p:cNvPr>
@@ -1258,7 +1264,7 @@
           <p:cNvPr id="5" name="日期占位符 4">
             <a:extLst>
               <a:ext uri="{FF2B5EF4-FFF2-40B4-BE49-F238E27FC236}">
-                <a16:creationId xmlns:a16="http://schemas.microsoft.com/office/drawing/2014/main" id="{770243AB-37E2-FB41-AE45-7493A69B4F42}"/>
+                <a16:creationId xmlns:a16="http://schemas.microsoft.com/office/drawing/2014/main" xmlns="" id="{770243AB-37E2-FB41-AE45-7493A69B4F42}"/>
               </a:ext>
             </a:extLst>
           </p:cNvPr>
@@ -1276,7 +1282,7 @@
           <a:p>
             <a:fld id="{EE635667-D871-944B-8BBB-E0C586BD280B}" type="datetimeFigureOut">
               <a:rPr kumimoji="1" lang="zh-CN" altLang="en-US" smtClean="0"/>
-              <a:t>2018/12/23</a:t>
+              <a:t>2020/2/16</a:t>
             </a:fld>
             <a:endParaRPr kumimoji="1" lang="zh-CN" altLang="en-US"/>
           </a:p>
@@ -1287,7 +1293,7 @@
           <p:cNvPr id="6" name="页脚占位符 5">
             <a:extLst>
               <a:ext uri="{FF2B5EF4-FFF2-40B4-BE49-F238E27FC236}">
-                <a16:creationId xmlns:a16="http://schemas.microsoft.com/office/drawing/2014/main" id="{14D5E18B-B419-AB43-B73E-C175EABFD09E}"/>
+                <a16:creationId xmlns:a16="http://schemas.microsoft.com/office/drawing/2014/main" xmlns="" id="{14D5E18B-B419-AB43-B73E-C175EABFD09E}"/>
               </a:ext>
             </a:extLst>
           </p:cNvPr>
@@ -1312,7 +1318,7 @@
           <p:cNvPr id="7" name="灯片编号占位符 6">
             <a:extLst>
               <a:ext uri="{FF2B5EF4-FFF2-40B4-BE49-F238E27FC236}">
-                <a16:creationId xmlns:a16="http://schemas.microsoft.com/office/drawing/2014/main" id="{5A532D2D-7CE8-634D-93D3-E00A55D8E9A0}"/>
+                <a16:creationId xmlns:a16="http://schemas.microsoft.com/office/drawing/2014/main" xmlns="" id="{5A532D2D-7CE8-634D-93D3-E00A55D8E9A0}"/>
               </a:ext>
             </a:extLst>
           </p:cNvPr>
@@ -1371,7 +1377,7 @@
           <p:cNvPr id="2" name="标题 1">
             <a:extLst>
               <a:ext uri="{FF2B5EF4-FFF2-40B4-BE49-F238E27FC236}">
-                <a16:creationId xmlns:a16="http://schemas.microsoft.com/office/drawing/2014/main" id="{15E124FC-6EB8-8A46-B580-4E04B942315C}"/>
+                <a16:creationId xmlns:a16="http://schemas.microsoft.com/office/drawing/2014/main" xmlns="" id="{15E124FC-6EB8-8A46-B580-4E04B942315C}"/>
               </a:ext>
             </a:extLst>
           </p:cNvPr>
@@ -1404,7 +1410,7 @@
           <p:cNvPr id="3" name="文本占位符 2">
             <a:extLst>
               <a:ext uri="{FF2B5EF4-FFF2-40B4-BE49-F238E27FC236}">
-                <a16:creationId xmlns:a16="http://schemas.microsoft.com/office/drawing/2014/main" id="{5B0AC3CD-B519-9F46-BB09-ECB545BC1AD6}"/>
+                <a16:creationId xmlns:a16="http://schemas.microsoft.com/office/drawing/2014/main" xmlns="" id="{5B0AC3CD-B519-9F46-BB09-ECB545BC1AD6}"/>
               </a:ext>
             </a:extLst>
           </p:cNvPr>
@@ -1478,7 +1484,7 @@
           <p:cNvPr id="4" name="内容占位符 3">
             <a:extLst>
               <a:ext uri="{FF2B5EF4-FFF2-40B4-BE49-F238E27FC236}">
-                <a16:creationId xmlns:a16="http://schemas.microsoft.com/office/drawing/2014/main" id="{3EE0FB96-C936-8946-95AB-5BE92949C75E}"/>
+                <a16:creationId xmlns:a16="http://schemas.microsoft.com/office/drawing/2014/main" xmlns="" id="{3EE0FB96-C936-8946-95AB-5BE92949C75E}"/>
               </a:ext>
             </a:extLst>
           </p:cNvPr>
@@ -1515,7 +1521,7 @@
           <p:cNvPr id="5" name="文本占位符 4">
             <a:extLst>
               <a:ext uri="{FF2B5EF4-FFF2-40B4-BE49-F238E27FC236}">
-                <a16:creationId xmlns:a16="http://schemas.microsoft.com/office/drawing/2014/main" id="{38DFDB91-3F94-524E-B795-02030284F190}"/>
+                <a16:creationId xmlns:a16="http://schemas.microsoft.com/office/drawing/2014/main" xmlns="" id="{38DFDB91-3F94-524E-B795-02030284F190}"/>
               </a:ext>
             </a:extLst>
           </p:cNvPr>
@@ -1589,7 +1595,7 @@
           <p:cNvPr id="6" name="内容占位符 5">
             <a:extLst>
               <a:ext uri="{FF2B5EF4-FFF2-40B4-BE49-F238E27FC236}">
-                <a16:creationId xmlns:a16="http://schemas.microsoft.com/office/drawing/2014/main" id="{C811A5F5-5F88-7D41-B67A-032D5D244018}"/>
+                <a16:creationId xmlns:a16="http://schemas.microsoft.com/office/drawing/2014/main" xmlns="" id="{C811A5F5-5F88-7D41-B67A-032D5D244018}"/>
               </a:ext>
             </a:extLst>
           </p:cNvPr>
@@ -1626,7 +1632,7 @@
           <p:cNvPr id="7" name="日期占位符 6">
             <a:extLst>
               <a:ext uri="{FF2B5EF4-FFF2-40B4-BE49-F238E27FC236}">
-                <a16:creationId xmlns:a16="http://schemas.microsoft.com/office/drawing/2014/main" id="{FE254CEA-FA35-6B44-876C-ACAF1BB24C72}"/>
+                <a16:creationId xmlns:a16="http://schemas.microsoft.com/office/drawing/2014/main" xmlns="" id="{FE254CEA-FA35-6B44-876C-ACAF1BB24C72}"/>
               </a:ext>
             </a:extLst>
           </p:cNvPr>
@@ -1644,7 +1650,7 @@
           <a:p>
             <a:fld id="{EE635667-D871-944B-8BBB-E0C586BD280B}" type="datetimeFigureOut">
               <a:rPr kumimoji="1" lang="zh-CN" altLang="en-US" smtClean="0"/>
-              <a:t>2018/12/23</a:t>
+              <a:t>2020/2/16</a:t>
             </a:fld>
             <a:endParaRPr kumimoji="1" lang="zh-CN" altLang="en-US"/>
           </a:p>
@@ -1655,7 +1661,7 @@
           <p:cNvPr id="8" name="页脚占位符 7">
             <a:extLst>
               <a:ext uri="{FF2B5EF4-FFF2-40B4-BE49-F238E27FC236}">
-                <a16:creationId xmlns:a16="http://schemas.microsoft.com/office/drawing/2014/main" id="{1B6A07A4-E124-7148-B632-EABE00AE9C7D}"/>
+                <a16:creationId xmlns:a16="http://schemas.microsoft.com/office/drawing/2014/main" xmlns="" id="{1B6A07A4-E124-7148-B632-EABE00AE9C7D}"/>
               </a:ext>
             </a:extLst>
           </p:cNvPr>
@@ -1680,7 +1686,7 @@
           <p:cNvPr id="9" name="灯片编号占位符 8">
             <a:extLst>
               <a:ext uri="{FF2B5EF4-FFF2-40B4-BE49-F238E27FC236}">
-                <a16:creationId xmlns:a16="http://schemas.microsoft.com/office/drawing/2014/main" id="{F594837B-A29D-B74D-9DB4-8D48EC4C0F91}"/>
+                <a16:creationId xmlns:a16="http://schemas.microsoft.com/office/drawing/2014/main" xmlns="" id="{F594837B-A29D-B74D-9DB4-8D48EC4C0F91}"/>
               </a:ext>
             </a:extLst>
           </p:cNvPr>
@@ -1739,7 +1745,7 @@
           <p:cNvPr id="2" name="标题 1">
             <a:extLst>
               <a:ext uri="{FF2B5EF4-FFF2-40B4-BE49-F238E27FC236}">
-                <a16:creationId xmlns:a16="http://schemas.microsoft.com/office/drawing/2014/main" id="{37834149-6C73-4D48-88C5-9C69AE82AF92}"/>
+                <a16:creationId xmlns:a16="http://schemas.microsoft.com/office/drawing/2014/main" xmlns="" id="{37834149-6C73-4D48-88C5-9C69AE82AF92}"/>
               </a:ext>
             </a:extLst>
           </p:cNvPr>
@@ -1767,7 +1773,7 @@
           <p:cNvPr id="3" name="日期占位符 2">
             <a:extLst>
               <a:ext uri="{FF2B5EF4-FFF2-40B4-BE49-F238E27FC236}">
-                <a16:creationId xmlns:a16="http://schemas.microsoft.com/office/drawing/2014/main" id="{4B375A69-3648-D747-9FA7-84D0D46EF5D1}"/>
+                <a16:creationId xmlns:a16="http://schemas.microsoft.com/office/drawing/2014/main" xmlns="" id="{4B375A69-3648-D747-9FA7-84D0D46EF5D1}"/>
               </a:ext>
             </a:extLst>
           </p:cNvPr>
@@ -1785,7 +1791,7 @@
           <a:p>
             <a:fld id="{EE635667-D871-944B-8BBB-E0C586BD280B}" type="datetimeFigureOut">
               <a:rPr kumimoji="1" lang="zh-CN" altLang="en-US" smtClean="0"/>
-              <a:t>2018/12/23</a:t>
+              <a:t>2020/2/16</a:t>
             </a:fld>
             <a:endParaRPr kumimoji="1" lang="zh-CN" altLang="en-US"/>
           </a:p>
@@ -1796,7 +1802,7 @@
           <p:cNvPr id="4" name="页脚占位符 3">
             <a:extLst>
               <a:ext uri="{FF2B5EF4-FFF2-40B4-BE49-F238E27FC236}">
-                <a16:creationId xmlns:a16="http://schemas.microsoft.com/office/drawing/2014/main" id="{D416805B-292A-704E-9165-82B0D4CABF9B}"/>
+                <a16:creationId xmlns:a16="http://schemas.microsoft.com/office/drawing/2014/main" xmlns="" id="{D416805B-292A-704E-9165-82B0D4CABF9B}"/>
               </a:ext>
             </a:extLst>
           </p:cNvPr>
@@ -1821,7 +1827,7 @@
           <p:cNvPr id="5" name="灯片编号占位符 4">
             <a:extLst>
               <a:ext uri="{FF2B5EF4-FFF2-40B4-BE49-F238E27FC236}">
-                <a16:creationId xmlns:a16="http://schemas.microsoft.com/office/drawing/2014/main" id="{497403B6-79E9-884C-8834-6DA9C6CF899C}"/>
+                <a16:creationId xmlns:a16="http://schemas.microsoft.com/office/drawing/2014/main" xmlns="" id="{497403B6-79E9-884C-8834-6DA9C6CF899C}"/>
               </a:ext>
             </a:extLst>
           </p:cNvPr>
@@ -1880,7 +1886,7 @@
           <p:cNvPr id="2" name="日期占位符 1">
             <a:extLst>
               <a:ext uri="{FF2B5EF4-FFF2-40B4-BE49-F238E27FC236}">
-                <a16:creationId xmlns:a16="http://schemas.microsoft.com/office/drawing/2014/main" id="{AD51DCAE-0862-DB4C-B5DF-2CF7BB0E3E4D}"/>
+                <a16:creationId xmlns:a16="http://schemas.microsoft.com/office/drawing/2014/main" xmlns="" id="{AD51DCAE-0862-DB4C-B5DF-2CF7BB0E3E4D}"/>
               </a:ext>
             </a:extLst>
           </p:cNvPr>
@@ -1898,7 +1904,7 @@
           <a:p>
             <a:fld id="{EE635667-D871-944B-8BBB-E0C586BD280B}" type="datetimeFigureOut">
               <a:rPr kumimoji="1" lang="zh-CN" altLang="en-US" smtClean="0"/>
-              <a:t>2018/12/23</a:t>
+              <a:t>2020/2/16</a:t>
             </a:fld>
             <a:endParaRPr kumimoji="1" lang="zh-CN" altLang="en-US"/>
           </a:p>
@@ -1909,7 +1915,7 @@
           <p:cNvPr id="3" name="页脚占位符 2">
             <a:extLst>
               <a:ext uri="{FF2B5EF4-FFF2-40B4-BE49-F238E27FC236}">
-                <a16:creationId xmlns:a16="http://schemas.microsoft.com/office/drawing/2014/main" id="{A3A8341B-A0E8-F44A-A492-1B0BD9E63B01}"/>
+                <a16:creationId xmlns:a16="http://schemas.microsoft.com/office/drawing/2014/main" xmlns="" id="{A3A8341B-A0E8-F44A-A492-1B0BD9E63B01}"/>
               </a:ext>
             </a:extLst>
           </p:cNvPr>
@@ -1934,7 +1940,7 @@
           <p:cNvPr id="4" name="灯片编号占位符 3">
             <a:extLst>
               <a:ext uri="{FF2B5EF4-FFF2-40B4-BE49-F238E27FC236}">
-                <a16:creationId xmlns:a16="http://schemas.microsoft.com/office/drawing/2014/main" id="{E6F1FF90-C6FE-B04A-A5C7-3BAFBBC4E776}"/>
+                <a16:creationId xmlns:a16="http://schemas.microsoft.com/office/drawing/2014/main" xmlns="" id="{E6F1FF90-C6FE-B04A-A5C7-3BAFBBC4E776}"/>
               </a:ext>
             </a:extLst>
           </p:cNvPr>
@@ -1993,7 +1999,7 @@
           <p:cNvPr id="2" name="标题 1">
             <a:extLst>
               <a:ext uri="{FF2B5EF4-FFF2-40B4-BE49-F238E27FC236}">
-                <a16:creationId xmlns:a16="http://schemas.microsoft.com/office/drawing/2014/main" id="{36AEF013-4BA1-FA4F-8983-5C7608CEDD64}"/>
+                <a16:creationId xmlns:a16="http://schemas.microsoft.com/office/drawing/2014/main" xmlns="" id="{36AEF013-4BA1-FA4F-8983-5C7608CEDD64}"/>
               </a:ext>
             </a:extLst>
           </p:cNvPr>
@@ -2030,7 +2036,7 @@
           <p:cNvPr id="3" name="内容占位符 2">
             <a:extLst>
               <a:ext uri="{FF2B5EF4-FFF2-40B4-BE49-F238E27FC236}">
-                <a16:creationId xmlns:a16="http://schemas.microsoft.com/office/drawing/2014/main" id="{0BF92475-3BCA-6C41-BFCE-78D41648BEC4}"/>
+                <a16:creationId xmlns:a16="http://schemas.microsoft.com/office/drawing/2014/main" xmlns="" id="{0BF92475-3BCA-6C41-BFCE-78D41648BEC4}"/>
               </a:ext>
             </a:extLst>
           </p:cNvPr>
@@ -2095,7 +2101,7 @@
           <p:cNvPr id="4" name="文本占位符 3">
             <a:extLst>
               <a:ext uri="{FF2B5EF4-FFF2-40B4-BE49-F238E27FC236}">
-                <a16:creationId xmlns:a16="http://schemas.microsoft.com/office/drawing/2014/main" id="{4C92D217-A550-4544-902C-67BFD63ED642}"/>
+                <a16:creationId xmlns:a16="http://schemas.microsoft.com/office/drawing/2014/main" xmlns="" id="{4C92D217-A550-4544-902C-67BFD63ED642}"/>
               </a:ext>
             </a:extLst>
           </p:cNvPr>
@@ -2169,7 +2175,7 @@
           <p:cNvPr id="5" name="日期占位符 4">
             <a:extLst>
               <a:ext uri="{FF2B5EF4-FFF2-40B4-BE49-F238E27FC236}">
-                <a16:creationId xmlns:a16="http://schemas.microsoft.com/office/drawing/2014/main" id="{CE1DE637-5423-0C47-899E-FF613357CA74}"/>
+                <a16:creationId xmlns:a16="http://schemas.microsoft.com/office/drawing/2014/main" xmlns="" id="{CE1DE637-5423-0C47-899E-FF613357CA74}"/>
               </a:ext>
             </a:extLst>
           </p:cNvPr>
@@ -2187,7 +2193,7 @@
           <a:p>
             <a:fld id="{EE635667-D871-944B-8BBB-E0C586BD280B}" type="datetimeFigureOut">
               <a:rPr kumimoji="1" lang="zh-CN" altLang="en-US" smtClean="0"/>
-              <a:t>2018/12/23</a:t>
+              <a:t>2020/2/16</a:t>
             </a:fld>
             <a:endParaRPr kumimoji="1" lang="zh-CN" altLang="en-US"/>
           </a:p>
@@ -2198,7 +2204,7 @@
           <p:cNvPr id="6" name="页脚占位符 5">
             <a:extLst>
               <a:ext uri="{FF2B5EF4-FFF2-40B4-BE49-F238E27FC236}">
-                <a16:creationId xmlns:a16="http://schemas.microsoft.com/office/drawing/2014/main" id="{AE16B3D0-5B4C-984D-B1F6-8E5A7DA28231}"/>
+                <a16:creationId xmlns:a16="http://schemas.microsoft.com/office/drawing/2014/main" xmlns="" id="{AE16B3D0-5B4C-984D-B1F6-8E5A7DA28231}"/>
               </a:ext>
             </a:extLst>
           </p:cNvPr>
@@ -2223,7 +2229,7 @@
           <p:cNvPr id="7" name="灯片编号占位符 6">
             <a:extLst>
               <a:ext uri="{FF2B5EF4-FFF2-40B4-BE49-F238E27FC236}">
-                <a16:creationId xmlns:a16="http://schemas.microsoft.com/office/drawing/2014/main" id="{B47CA710-781D-3A4C-9C6B-1E48CB89D6BB}"/>
+                <a16:creationId xmlns:a16="http://schemas.microsoft.com/office/drawing/2014/main" xmlns="" id="{B47CA710-781D-3A4C-9C6B-1E48CB89D6BB}"/>
               </a:ext>
             </a:extLst>
           </p:cNvPr>
@@ -2282,7 +2288,7 @@
           <p:cNvPr id="2" name="标题 1">
             <a:extLst>
               <a:ext uri="{FF2B5EF4-FFF2-40B4-BE49-F238E27FC236}">
-                <a16:creationId xmlns:a16="http://schemas.microsoft.com/office/drawing/2014/main" id="{69AA43C7-2AC7-9845-A6EE-C101D79F011A}"/>
+                <a16:creationId xmlns:a16="http://schemas.microsoft.com/office/drawing/2014/main" xmlns="" id="{69AA43C7-2AC7-9845-A6EE-C101D79F011A}"/>
               </a:ext>
             </a:extLst>
           </p:cNvPr>
@@ -2319,7 +2325,7 @@
           <p:cNvPr id="3" name="图片占位符 2">
             <a:extLst>
               <a:ext uri="{FF2B5EF4-FFF2-40B4-BE49-F238E27FC236}">
-                <a16:creationId xmlns:a16="http://schemas.microsoft.com/office/drawing/2014/main" id="{66FCC94A-B171-984D-BEB4-483C7121D15E}"/>
+                <a16:creationId xmlns:a16="http://schemas.microsoft.com/office/drawing/2014/main" xmlns="" id="{66FCC94A-B171-984D-BEB4-483C7121D15E}"/>
               </a:ext>
             </a:extLst>
           </p:cNvPr>
@@ -2386,7 +2392,7 @@
           <p:cNvPr id="4" name="文本占位符 3">
             <a:extLst>
               <a:ext uri="{FF2B5EF4-FFF2-40B4-BE49-F238E27FC236}">
-                <a16:creationId xmlns:a16="http://schemas.microsoft.com/office/drawing/2014/main" id="{E65784E8-0F09-7B49-AB91-35318A0D4157}"/>
+                <a16:creationId xmlns:a16="http://schemas.microsoft.com/office/drawing/2014/main" xmlns="" id="{E65784E8-0F09-7B49-AB91-35318A0D4157}"/>
               </a:ext>
             </a:extLst>
           </p:cNvPr>
@@ -2460,7 +2466,7 @@
           <p:cNvPr id="5" name="日期占位符 4">
             <a:extLst>
               <a:ext uri="{FF2B5EF4-FFF2-40B4-BE49-F238E27FC236}">
-                <a16:creationId xmlns:a16="http://schemas.microsoft.com/office/drawing/2014/main" id="{AEBFD583-EC87-9246-91C4-A080C09DDA7C}"/>
+                <a16:creationId xmlns:a16="http://schemas.microsoft.com/office/drawing/2014/main" xmlns="" id="{AEBFD583-EC87-9246-91C4-A080C09DDA7C}"/>
               </a:ext>
             </a:extLst>
           </p:cNvPr>
@@ -2478,7 +2484,7 @@
           <a:p>
             <a:fld id="{EE635667-D871-944B-8BBB-E0C586BD280B}" type="datetimeFigureOut">
               <a:rPr kumimoji="1" lang="zh-CN" altLang="en-US" smtClean="0"/>
-              <a:t>2018/12/23</a:t>
+              <a:t>2020/2/16</a:t>
             </a:fld>
             <a:endParaRPr kumimoji="1" lang="zh-CN" altLang="en-US"/>
           </a:p>
@@ -2489,7 +2495,7 @@
           <p:cNvPr id="6" name="页脚占位符 5">
             <a:extLst>
               <a:ext uri="{FF2B5EF4-FFF2-40B4-BE49-F238E27FC236}">
-                <a16:creationId xmlns:a16="http://schemas.microsoft.com/office/drawing/2014/main" id="{A15263EF-D51C-C149-B44F-64E2A1BAF216}"/>
+                <a16:creationId xmlns:a16="http://schemas.microsoft.com/office/drawing/2014/main" xmlns="" id="{A15263EF-D51C-C149-B44F-64E2A1BAF216}"/>
               </a:ext>
             </a:extLst>
           </p:cNvPr>
@@ -2514,7 +2520,7 @@
           <p:cNvPr id="7" name="灯片编号占位符 6">
             <a:extLst>
               <a:ext uri="{FF2B5EF4-FFF2-40B4-BE49-F238E27FC236}">
-                <a16:creationId xmlns:a16="http://schemas.microsoft.com/office/drawing/2014/main" id="{149B1276-660D-7E4C-A705-280B09E222F1}"/>
+                <a16:creationId xmlns:a16="http://schemas.microsoft.com/office/drawing/2014/main" xmlns="" id="{149B1276-660D-7E4C-A705-280B09E222F1}"/>
               </a:ext>
             </a:extLst>
           </p:cNvPr>
@@ -2578,7 +2584,7 @@
           <p:cNvPr id="2" name="标题占位符 1">
             <a:extLst>
               <a:ext uri="{FF2B5EF4-FFF2-40B4-BE49-F238E27FC236}">
-                <a16:creationId xmlns:a16="http://schemas.microsoft.com/office/drawing/2014/main" id="{5E57811E-9ADD-9B4B-B4CD-738B079814CF}"/>
+                <a16:creationId xmlns:a16="http://schemas.microsoft.com/office/drawing/2014/main" xmlns="" id="{5E57811E-9ADD-9B4B-B4CD-738B079814CF}"/>
               </a:ext>
             </a:extLst>
           </p:cNvPr>
@@ -2616,7 +2622,7 @@
           <p:cNvPr id="3" name="文本占位符 2">
             <a:extLst>
               <a:ext uri="{FF2B5EF4-FFF2-40B4-BE49-F238E27FC236}">
-                <a16:creationId xmlns:a16="http://schemas.microsoft.com/office/drawing/2014/main" id="{834F8DD6-02BC-594C-B09F-071FAD2C4968}"/>
+                <a16:creationId xmlns:a16="http://schemas.microsoft.com/office/drawing/2014/main" xmlns="" id="{834F8DD6-02BC-594C-B09F-071FAD2C4968}"/>
               </a:ext>
             </a:extLst>
           </p:cNvPr>
@@ -2658,7 +2664,7 @@
           <p:cNvPr id="4" name="日期占位符 3">
             <a:extLst>
               <a:ext uri="{FF2B5EF4-FFF2-40B4-BE49-F238E27FC236}">
-                <a16:creationId xmlns:a16="http://schemas.microsoft.com/office/drawing/2014/main" id="{29B75868-E3AE-824A-BB17-DD18CDACEDC6}"/>
+                <a16:creationId xmlns:a16="http://schemas.microsoft.com/office/drawing/2014/main" xmlns="" id="{29B75868-E3AE-824A-BB17-DD18CDACEDC6}"/>
               </a:ext>
             </a:extLst>
           </p:cNvPr>
@@ -2694,7 +2700,7 @@
           <a:p>
             <a:fld id="{EE635667-D871-944B-8BBB-E0C586BD280B}" type="datetimeFigureOut">
               <a:rPr kumimoji="1" lang="zh-CN" altLang="en-US" smtClean="0"/>
-              <a:t>2018/12/23</a:t>
+              <a:t>2020/2/16</a:t>
             </a:fld>
             <a:endParaRPr kumimoji="1" lang="zh-CN" altLang="en-US"/>
           </a:p>
@@ -2705,7 +2711,7 @@
           <p:cNvPr id="5" name="页脚占位符 4">
             <a:extLst>
               <a:ext uri="{FF2B5EF4-FFF2-40B4-BE49-F238E27FC236}">
-                <a16:creationId xmlns:a16="http://schemas.microsoft.com/office/drawing/2014/main" id="{8F480908-21DE-B840-9D1F-AF36083BC80A}"/>
+                <a16:creationId xmlns:a16="http://schemas.microsoft.com/office/drawing/2014/main" xmlns="" id="{8F480908-21DE-B840-9D1F-AF36083BC80A}"/>
               </a:ext>
             </a:extLst>
           </p:cNvPr>
@@ -2748,7 +2754,7 @@
           <p:cNvPr id="6" name="灯片编号占位符 5">
             <a:extLst>
               <a:ext uri="{FF2B5EF4-FFF2-40B4-BE49-F238E27FC236}">
-                <a16:creationId xmlns:a16="http://schemas.microsoft.com/office/drawing/2014/main" id="{17BC4D04-F22C-FF44-9D23-3090C0C5FDA1}"/>
+                <a16:creationId xmlns:a16="http://schemas.microsoft.com/office/drawing/2014/main" xmlns="" id="{17BC4D04-F22C-FF44-9D23-3090C0C5FDA1}"/>
               </a:ext>
             </a:extLst>
           </p:cNvPr>
@@ -3116,7 +3122,7 @@
           <p:cNvPr id="5" name="直线箭头连接符 4">
             <a:extLst>
               <a:ext uri="{FF2B5EF4-FFF2-40B4-BE49-F238E27FC236}">
-                <a16:creationId xmlns:a16="http://schemas.microsoft.com/office/drawing/2014/main" id="{A2B51267-A09D-2748-A669-D1B284AE3A6D}"/>
+                <a16:creationId xmlns:a16="http://schemas.microsoft.com/office/drawing/2014/main" xmlns="" id="{A2B51267-A09D-2748-A669-D1B284AE3A6D}"/>
               </a:ext>
             </a:extLst>
           </p:cNvPr>
@@ -3155,7 +3161,7 @@
           <p:cNvPr id="6" name="直线箭头连接符 5">
             <a:extLst>
               <a:ext uri="{FF2B5EF4-FFF2-40B4-BE49-F238E27FC236}">
-                <a16:creationId xmlns:a16="http://schemas.microsoft.com/office/drawing/2014/main" id="{01B8380B-ED82-0647-B26F-B87254750CD6}"/>
+                <a16:creationId xmlns:a16="http://schemas.microsoft.com/office/drawing/2014/main" xmlns="" id="{01B8380B-ED82-0647-B26F-B87254750CD6}"/>
               </a:ext>
             </a:extLst>
           </p:cNvPr>
@@ -3194,7 +3200,7 @@
           <p:cNvPr id="7" name="椭圆 6">
             <a:extLst>
               <a:ext uri="{FF2B5EF4-FFF2-40B4-BE49-F238E27FC236}">
-                <a16:creationId xmlns:a16="http://schemas.microsoft.com/office/drawing/2014/main" id="{2E4D0B6F-3084-1345-9350-085EDE9F6310}"/>
+                <a16:creationId xmlns:a16="http://schemas.microsoft.com/office/drawing/2014/main" xmlns="" id="{2E4D0B6F-3084-1345-9350-085EDE9F6310}"/>
               </a:ext>
             </a:extLst>
           </p:cNvPr>
@@ -3246,7 +3252,7 @@
           <p:cNvPr id="8" name="椭圆 7">
             <a:extLst>
               <a:ext uri="{FF2B5EF4-FFF2-40B4-BE49-F238E27FC236}">
-                <a16:creationId xmlns:a16="http://schemas.microsoft.com/office/drawing/2014/main" id="{884494FD-C23D-8A4C-B68F-024795A0FB45}"/>
+                <a16:creationId xmlns:a16="http://schemas.microsoft.com/office/drawing/2014/main" xmlns="" id="{884494FD-C23D-8A4C-B68F-024795A0FB45}"/>
               </a:ext>
             </a:extLst>
           </p:cNvPr>
@@ -3298,7 +3304,7 @@
           <p:cNvPr id="10" name="直线箭头连接符 9">
             <a:extLst>
               <a:ext uri="{FF2B5EF4-FFF2-40B4-BE49-F238E27FC236}">
-                <a16:creationId xmlns:a16="http://schemas.microsoft.com/office/drawing/2014/main" id="{4B70DEE6-6595-5E4D-A865-031F01BDCABF}"/>
+                <a16:creationId xmlns:a16="http://schemas.microsoft.com/office/drawing/2014/main" xmlns="" id="{4B70DEE6-6595-5E4D-A865-031F01BDCABF}"/>
               </a:ext>
             </a:extLst>
           </p:cNvPr>
@@ -3342,7 +3348,7 @@
           <p:cNvPr id="12" name="直线箭头连接符 11">
             <a:extLst>
               <a:ext uri="{FF2B5EF4-FFF2-40B4-BE49-F238E27FC236}">
-                <a16:creationId xmlns:a16="http://schemas.microsoft.com/office/drawing/2014/main" id="{9B6323A4-4249-8945-ACBD-E218BA6E71D5}"/>
+                <a16:creationId xmlns:a16="http://schemas.microsoft.com/office/drawing/2014/main" xmlns="" id="{9B6323A4-4249-8945-ACBD-E218BA6E71D5}"/>
               </a:ext>
             </a:extLst>
           </p:cNvPr>
@@ -3386,7 +3392,7 @@
           <p:cNvPr id="13" name="直线箭头连接符 12">
             <a:extLst>
               <a:ext uri="{FF2B5EF4-FFF2-40B4-BE49-F238E27FC236}">
-                <a16:creationId xmlns:a16="http://schemas.microsoft.com/office/drawing/2014/main" id="{3EC8DD21-797E-9246-BF00-783AEB9125AD}"/>
+                <a16:creationId xmlns:a16="http://schemas.microsoft.com/office/drawing/2014/main" xmlns="" id="{3EC8DD21-797E-9246-BF00-783AEB9125AD}"/>
               </a:ext>
             </a:extLst>
           </p:cNvPr>
@@ -3430,7 +3436,7 @@
           <p:cNvPr id="14" name="直线箭头连接符 13">
             <a:extLst>
               <a:ext uri="{FF2B5EF4-FFF2-40B4-BE49-F238E27FC236}">
-                <a16:creationId xmlns:a16="http://schemas.microsoft.com/office/drawing/2014/main" id="{FB7E2D92-0B69-314D-AE07-06C2EF02C245}"/>
+                <a16:creationId xmlns:a16="http://schemas.microsoft.com/office/drawing/2014/main" xmlns="" id="{FB7E2D92-0B69-314D-AE07-06C2EF02C245}"/>
               </a:ext>
             </a:extLst>
           </p:cNvPr>
@@ -3474,7 +3480,7 @@
           <p:cNvPr id="15" name="直线箭头连接符 14">
             <a:extLst>
               <a:ext uri="{FF2B5EF4-FFF2-40B4-BE49-F238E27FC236}">
-                <a16:creationId xmlns:a16="http://schemas.microsoft.com/office/drawing/2014/main" id="{B4614FD4-C15A-DC4E-8F33-FA45306B02F7}"/>
+                <a16:creationId xmlns:a16="http://schemas.microsoft.com/office/drawing/2014/main" xmlns="" id="{B4614FD4-C15A-DC4E-8F33-FA45306B02F7}"/>
               </a:ext>
             </a:extLst>
           </p:cNvPr>
@@ -3518,7 +3524,7 @@
           <p:cNvPr id="16" name="直线箭头连接符 15">
             <a:extLst>
               <a:ext uri="{FF2B5EF4-FFF2-40B4-BE49-F238E27FC236}">
-                <a16:creationId xmlns:a16="http://schemas.microsoft.com/office/drawing/2014/main" id="{64239413-D93D-C44F-8903-D674A751986C}"/>
+                <a16:creationId xmlns:a16="http://schemas.microsoft.com/office/drawing/2014/main" xmlns="" id="{64239413-D93D-C44F-8903-D674A751986C}"/>
               </a:ext>
             </a:extLst>
           </p:cNvPr>
@@ -3562,7 +3568,7 @@
           <p:cNvPr id="17" name="文本框 16">
             <a:extLst>
               <a:ext uri="{FF2B5EF4-FFF2-40B4-BE49-F238E27FC236}">
-                <a16:creationId xmlns:a16="http://schemas.microsoft.com/office/drawing/2014/main" id="{5A4DD607-E82D-6042-BF54-22D57E17B63D}"/>
+                <a16:creationId xmlns:a16="http://schemas.microsoft.com/office/drawing/2014/main" xmlns="" id="{5A4DD607-E82D-6042-BF54-22D57E17B63D}"/>
               </a:ext>
             </a:extLst>
           </p:cNvPr>
@@ -3598,7 +3604,7 @@
           <p:cNvPr id="18" name="文本框 17">
             <a:extLst>
               <a:ext uri="{FF2B5EF4-FFF2-40B4-BE49-F238E27FC236}">
-                <a16:creationId xmlns:a16="http://schemas.microsoft.com/office/drawing/2014/main" id="{39226D54-A2A3-9741-8DF1-A60403728B9C}"/>
+                <a16:creationId xmlns:a16="http://schemas.microsoft.com/office/drawing/2014/main" xmlns="" id="{39226D54-A2A3-9741-8DF1-A60403728B9C}"/>
               </a:ext>
             </a:extLst>
           </p:cNvPr>
@@ -3634,7 +3640,7 @@
           <p:cNvPr id="19" name="文本框 18">
             <a:extLst>
               <a:ext uri="{FF2B5EF4-FFF2-40B4-BE49-F238E27FC236}">
-                <a16:creationId xmlns:a16="http://schemas.microsoft.com/office/drawing/2014/main" id="{0066F6FE-4BCA-1741-AFAC-D7E61FECD1C1}"/>
+                <a16:creationId xmlns:a16="http://schemas.microsoft.com/office/drawing/2014/main" xmlns="" id="{0066F6FE-4BCA-1741-AFAC-D7E61FECD1C1}"/>
               </a:ext>
             </a:extLst>
           </p:cNvPr>
@@ -3670,7 +3676,7 @@
           <p:cNvPr id="20" name="文本框 19">
             <a:extLst>
               <a:ext uri="{FF2B5EF4-FFF2-40B4-BE49-F238E27FC236}">
-                <a16:creationId xmlns:a16="http://schemas.microsoft.com/office/drawing/2014/main" id="{06FEF752-20D7-9544-99F0-6272BAB06D16}"/>
+                <a16:creationId xmlns:a16="http://schemas.microsoft.com/office/drawing/2014/main" xmlns="" id="{06FEF752-20D7-9544-99F0-6272BAB06D16}"/>
               </a:ext>
             </a:extLst>
           </p:cNvPr>
@@ -3706,7 +3712,7 @@
           <p:cNvPr id="21" name="文本框 20">
             <a:extLst>
               <a:ext uri="{FF2B5EF4-FFF2-40B4-BE49-F238E27FC236}">
-                <a16:creationId xmlns:a16="http://schemas.microsoft.com/office/drawing/2014/main" id="{E54E3C64-B5BD-8245-BB9E-4D66F80A2392}"/>
+                <a16:creationId xmlns:a16="http://schemas.microsoft.com/office/drawing/2014/main" xmlns="" id="{E54E3C64-B5BD-8245-BB9E-4D66F80A2392}"/>
               </a:ext>
             </a:extLst>
           </p:cNvPr>
@@ -3742,7 +3748,7 @@
           <p:cNvPr id="22" name="直线箭头连接符 21">
             <a:extLst>
               <a:ext uri="{FF2B5EF4-FFF2-40B4-BE49-F238E27FC236}">
-                <a16:creationId xmlns:a16="http://schemas.microsoft.com/office/drawing/2014/main" id="{2CE7AE1F-D271-BF4D-8797-E4D193844814}"/>
+                <a16:creationId xmlns:a16="http://schemas.microsoft.com/office/drawing/2014/main" xmlns="" id="{2CE7AE1F-D271-BF4D-8797-E4D193844814}"/>
               </a:ext>
             </a:extLst>
           </p:cNvPr>
@@ -3786,7 +3792,7 @@
           <p:cNvPr id="24" name="文本框 23">
             <a:extLst>
               <a:ext uri="{FF2B5EF4-FFF2-40B4-BE49-F238E27FC236}">
-                <a16:creationId xmlns:a16="http://schemas.microsoft.com/office/drawing/2014/main" id="{3E76473B-DDAB-8C4D-AD41-422AF1ED5BE0}"/>
+                <a16:creationId xmlns:a16="http://schemas.microsoft.com/office/drawing/2014/main" xmlns="" id="{3E76473B-DDAB-8C4D-AD41-422AF1ED5BE0}"/>
               </a:ext>
             </a:extLst>
           </p:cNvPr>
@@ -3831,7 +3837,7 @@
           <p:cNvPr id="25" name="文本框 24">
             <a:extLst>
               <a:ext uri="{FF2B5EF4-FFF2-40B4-BE49-F238E27FC236}">
-                <a16:creationId xmlns:a16="http://schemas.microsoft.com/office/drawing/2014/main" id="{83780FAC-49A4-3942-A95B-9A5AC27C25BA}"/>
+                <a16:creationId xmlns:a16="http://schemas.microsoft.com/office/drawing/2014/main" xmlns="" id="{83780FAC-49A4-3942-A95B-9A5AC27C25BA}"/>
               </a:ext>
             </a:extLst>
           </p:cNvPr>
@@ -3876,7 +3882,7 @@
           <p:cNvPr id="26" name="文本框 25">
             <a:extLst>
               <a:ext uri="{FF2B5EF4-FFF2-40B4-BE49-F238E27FC236}">
-                <a16:creationId xmlns:a16="http://schemas.microsoft.com/office/drawing/2014/main" id="{E8154DCD-C815-924C-8C3B-4CF47583C6D4}"/>
+                <a16:creationId xmlns:a16="http://schemas.microsoft.com/office/drawing/2014/main" xmlns="" id="{E8154DCD-C815-924C-8C3B-4CF47583C6D4}"/>
               </a:ext>
             </a:extLst>
           </p:cNvPr>
@@ -3912,7 +3918,7 @@
           <p:cNvPr id="27" name="文本框 26">
             <a:extLst>
               <a:ext uri="{FF2B5EF4-FFF2-40B4-BE49-F238E27FC236}">
-                <a16:creationId xmlns:a16="http://schemas.microsoft.com/office/drawing/2014/main" id="{48C7A1F7-40A5-B74B-8FC7-2251FE7DA434}"/>
+                <a16:creationId xmlns:a16="http://schemas.microsoft.com/office/drawing/2014/main" xmlns="" id="{48C7A1F7-40A5-B74B-8FC7-2251FE7DA434}"/>
               </a:ext>
             </a:extLst>
           </p:cNvPr>
@@ -3947,6 +3953,916 @@
     <p:extLst>
       <p:ext uri="{BB962C8B-B14F-4D97-AF65-F5344CB8AC3E}">
         <p14:creationId xmlns:p14="http://schemas.microsoft.com/office/powerpoint/2010/main" val="1895183038"/>
+      </p:ext>
+    </p:extLst>
+  </p:cSld>
+  <p:clrMapOvr>
+    <a:masterClrMapping/>
+  </p:clrMapOvr>
+</p:sld>
+</file>
+
+<file path=ppt/slides/slide2.xml><?xml version="1.0" encoding="utf-8"?>
+<p:sld xmlns:a="http://schemas.openxmlformats.org/drawingml/2006/main" xmlns:r="http://schemas.openxmlformats.org/officeDocument/2006/relationships" xmlns:p="http://schemas.openxmlformats.org/presentationml/2006/main">
+  <p:cSld>
+    <p:spTree>
+      <p:nvGrpSpPr>
+        <p:cNvPr id="1" name=""/>
+        <p:cNvGrpSpPr/>
+        <p:nvPr/>
+      </p:nvGrpSpPr>
+      <p:grpSpPr>
+        <a:xfrm>
+          <a:off x="0" y="0"/>
+          <a:ext cx="0" cy="0"/>
+          <a:chOff x="0" y="0"/>
+          <a:chExt cx="0" cy="0"/>
+        </a:xfrm>
+      </p:grpSpPr>
+      <p:sp>
+        <p:nvSpPr>
+          <p:cNvPr id="4" name="Rectangle 3"/>
+          <p:cNvSpPr/>
+          <p:nvPr/>
+        </p:nvSpPr>
+        <p:spPr>
+          <a:xfrm>
+            <a:off x="2211474" y="1021401"/>
+            <a:ext cx="1050073" cy="164275"/>
+          </a:xfrm>
+          <a:prstGeom prst="rect">
+            <a:avLst/>
+          </a:prstGeom>
+        </p:spPr>
+        <p:style>
+          <a:lnRef idx="2">
+            <a:schemeClr val="accent1">
+              <a:shade val="50000"/>
+            </a:schemeClr>
+          </a:lnRef>
+          <a:fillRef idx="1">
+            <a:schemeClr val="accent1"/>
+          </a:fillRef>
+          <a:effectRef idx="0">
+            <a:schemeClr val="accent1"/>
+          </a:effectRef>
+          <a:fontRef idx="minor">
+            <a:schemeClr val="lt1"/>
+          </a:fontRef>
+        </p:style>
+        <p:txBody>
+          <a:bodyPr rtlCol="0" anchor="ctr"/>
+          <a:lstStyle/>
+          <a:p>
+            <a:pPr algn="ctr"/>
+            <a:endParaRPr lang="zh-CN" altLang="en-US" sz="900"/>
+          </a:p>
+        </p:txBody>
+      </p:sp>
+      <p:sp>
+        <p:nvSpPr>
+          <p:cNvPr id="5" name="Rectangle 4"/>
+          <p:cNvSpPr/>
+          <p:nvPr/>
+        </p:nvSpPr>
+        <p:spPr>
+          <a:xfrm>
+            <a:off x="1721869" y="1527111"/>
+            <a:ext cx="2029283" cy="164275"/>
+          </a:xfrm>
+          <a:prstGeom prst="rect">
+            <a:avLst/>
+          </a:prstGeom>
+        </p:spPr>
+        <p:style>
+          <a:lnRef idx="2">
+            <a:schemeClr val="accent1">
+              <a:shade val="50000"/>
+            </a:schemeClr>
+          </a:lnRef>
+          <a:fillRef idx="1">
+            <a:schemeClr val="accent1"/>
+          </a:fillRef>
+          <a:effectRef idx="0">
+            <a:schemeClr val="accent1"/>
+          </a:effectRef>
+          <a:fontRef idx="minor">
+            <a:schemeClr val="lt1"/>
+          </a:fontRef>
+        </p:style>
+        <p:txBody>
+          <a:bodyPr rtlCol="0" anchor="ctr"/>
+          <a:lstStyle/>
+          <a:p>
+            <a:pPr algn="ctr"/>
+            <a:endParaRPr lang="zh-CN" altLang="en-US" sz="900"/>
+          </a:p>
+        </p:txBody>
+      </p:sp>
+      <p:sp>
+        <p:nvSpPr>
+          <p:cNvPr id="7" name="Rectangle 6"/>
+          <p:cNvSpPr/>
+          <p:nvPr/>
+        </p:nvSpPr>
+        <p:spPr>
+          <a:xfrm>
+            <a:off x="1721869" y="2032821"/>
+            <a:ext cx="2029283" cy="164275"/>
+          </a:xfrm>
+          <a:prstGeom prst="rect">
+            <a:avLst/>
+          </a:prstGeom>
+        </p:spPr>
+        <p:style>
+          <a:lnRef idx="2">
+            <a:schemeClr val="accent1">
+              <a:shade val="50000"/>
+            </a:schemeClr>
+          </a:lnRef>
+          <a:fillRef idx="1">
+            <a:schemeClr val="accent1"/>
+          </a:fillRef>
+          <a:effectRef idx="0">
+            <a:schemeClr val="accent1"/>
+          </a:effectRef>
+          <a:fontRef idx="minor">
+            <a:schemeClr val="lt1"/>
+          </a:fontRef>
+        </p:style>
+        <p:txBody>
+          <a:bodyPr rtlCol="0" anchor="ctr"/>
+          <a:lstStyle/>
+          <a:p>
+            <a:pPr algn="ctr"/>
+            <a:endParaRPr lang="zh-CN" altLang="en-US" sz="900"/>
+          </a:p>
+        </p:txBody>
+      </p:sp>
+      <p:sp>
+        <p:nvSpPr>
+          <p:cNvPr id="8" name="Rectangle 7"/>
+          <p:cNvSpPr/>
+          <p:nvPr/>
+        </p:nvSpPr>
+        <p:spPr>
+          <a:xfrm>
+            <a:off x="2427286" y="1021401"/>
+            <a:ext cx="119180" cy="164275"/>
+          </a:xfrm>
+          <a:prstGeom prst="rect">
+            <a:avLst/>
+          </a:prstGeom>
+          <a:solidFill>
+            <a:schemeClr val="accent1">
+              <a:lumMod val="60000"/>
+              <a:lumOff val="40000"/>
+            </a:schemeClr>
+          </a:solidFill>
+        </p:spPr>
+        <p:style>
+          <a:lnRef idx="2">
+            <a:schemeClr val="accent1">
+              <a:shade val="50000"/>
+            </a:schemeClr>
+          </a:lnRef>
+          <a:fillRef idx="1">
+            <a:schemeClr val="accent1"/>
+          </a:fillRef>
+          <a:effectRef idx="0">
+            <a:schemeClr val="accent1"/>
+          </a:effectRef>
+          <a:fontRef idx="minor">
+            <a:schemeClr val="lt1"/>
+          </a:fontRef>
+        </p:style>
+        <p:txBody>
+          <a:bodyPr rtlCol="0" anchor="ctr"/>
+          <a:lstStyle/>
+          <a:p>
+            <a:pPr algn="ctr"/>
+            <a:endParaRPr lang="zh-CN" altLang="en-US" sz="900"/>
+          </a:p>
+        </p:txBody>
+      </p:sp>
+      <p:sp>
+        <p:nvSpPr>
+          <p:cNvPr id="9" name="Rectangle 8"/>
+          <p:cNvSpPr/>
+          <p:nvPr/>
+        </p:nvSpPr>
+        <p:spPr>
+          <a:xfrm>
+            <a:off x="2844416" y="1021401"/>
+            <a:ext cx="119180" cy="164275"/>
+          </a:xfrm>
+          <a:prstGeom prst="rect">
+            <a:avLst/>
+          </a:prstGeom>
+          <a:solidFill>
+            <a:schemeClr val="accent1">
+              <a:lumMod val="60000"/>
+              <a:lumOff val="40000"/>
+            </a:schemeClr>
+          </a:solidFill>
+        </p:spPr>
+        <p:style>
+          <a:lnRef idx="2">
+            <a:schemeClr val="accent1">
+              <a:shade val="50000"/>
+            </a:schemeClr>
+          </a:lnRef>
+          <a:fillRef idx="1">
+            <a:schemeClr val="accent1"/>
+          </a:fillRef>
+          <a:effectRef idx="0">
+            <a:schemeClr val="accent1"/>
+          </a:effectRef>
+          <a:fontRef idx="minor">
+            <a:schemeClr val="lt1"/>
+          </a:fontRef>
+        </p:style>
+        <p:txBody>
+          <a:bodyPr rtlCol="0" anchor="ctr"/>
+          <a:lstStyle/>
+          <a:p>
+            <a:pPr algn="ctr"/>
+            <a:endParaRPr lang="zh-CN" altLang="en-US" sz="900"/>
+          </a:p>
+        </p:txBody>
+      </p:sp>
+      <p:sp>
+        <p:nvSpPr>
+          <p:cNvPr id="10" name="Rectangle 9"/>
+          <p:cNvSpPr/>
+          <p:nvPr/>
+        </p:nvSpPr>
+        <p:spPr>
+          <a:xfrm>
+            <a:off x="2151884" y="1527111"/>
+            <a:ext cx="119180" cy="164275"/>
+          </a:xfrm>
+          <a:prstGeom prst="rect">
+            <a:avLst/>
+          </a:prstGeom>
+          <a:solidFill>
+            <a:schemeClr val="accent1">
+              <a:lumMod val="60000"/>
+              <a:lumOff val="40000"/>
+            </a:schemeClr>
+          </a:solidFill>
+        </p:spPr>
+        <p:style>
+          <a:lnRef idx="2">
+            <a:schemeClr val="accent1">
+              <a:shade val="50000"/>
+            </a:schemeClr>
+          </a:lnRef>
+          <a:fillRef idx="1">
+            <a:schemeClr val="accent1"/>
+          </a:fillRef>
+          <a:effectRef idx="0">
+            <a:schemeClr val="accent1"/>
+          </a:effectRef>
+          <a:fontRef idx="minor">
+            <a:schemeClr val="lt1"/>
+          </a:fontRef>
+        </p:style>
+        <p:txBody>
+          <a:bodyPr rtlCol="0" anchor="ctr"/>
+          <a:lstStyle/>
+          <a:p>
+            <a:pPr algn="ctr"/>
+            <a:endParaRPr lang="zh-CN" altLang="en-US" sz="900"/>
+          </a:p>
+        </p:txBody>
+      </p:sp>
+      <p:sp>
+        <p:nvSpPr>
+          <p:cNvPr id="11" name="Rectangle 10"/>
+          <p:cNvSpPr/>
+          <p:nvPr/>
+        </p:nvSpPr>
+        <p:spPr>
+          <a:xfrm>
+            <a:off x="3258326" y="1527111"/>
+            <a:ext cx="119180" cy="164275"/>
+          </a:xfrm>
+          <a:prstGeom prst="rect">
+            <a:avLst/>
+          </a:prstGeom>
+          <a:solidFill>
+            <a:schemeClr val="accent1">
+              <a:lumMod val="60000"/>
+              <a:lumOff val="40000"/>
+            </a:schemeClr>
+          </a:solidFill>
+        </p:spPr>
+        <p:style>
+          <a:lnRef idx="2">
+            <a:schemeClr val="accent1">
+              <a:shade val="50000"/>
+            </a:schemeClr>
+          </a:lnRef>
+          <a:fillRef idx="1">
+            <a:schemeClr val="accent1"/>
+          </a:fillRef>
+          <a:effectRef idx="0">
+            <a:schemeClr val="accent1"/>
+          </a:effectRef>
+          <a:fontRef idx="minor">
+            <a:schemeClr val="lt1"/>
+          </a:fontRef>
+        </p:style>
+        <p:txBody>
+          <a:bodyPr rtlCol="0" anchor="ctr"/>
+          <a:lstStyle/>
+          <a:p>
+            <a:pPr algn="ctr"/>
+            <a:endParaRPr lang="zh-CN" altLang="en-US" sz="900"/>
+          </a:p>
+        </p:txBody>
+      </p:sp>
+      <p:sp>
+        <p:nvSpPr>
+          <p:cNvPr id="12" name="Rectangle 11"/>
+          <p:cNvSpPr/>
+          <p:nvPr/>
+        </p:nvSpPr>
+        <p:spPr>
+          <a:xfrm>
+            <a:off x="2151884" y="2032821"/>
+            <a:ext cx="119180" cy="164275"/>
+          </a:xfrm>
+          <a:prstGeom prst="rect">
+            <a:avLst/>
+          </a:prstGeom>
+          <a:solidFill>
+            <a:schemeClr val="accent1">
+              <a:lumMod val="60000"/>
+              <a:lumOff val="40000"/>
+            </a:schemeClr>
+          </a:solidFill>
+        </p:spPr>
+        <p:style>
+          <a:lnRef idx="2">
+            <a:schemeClr val="accent1">
+              <a:shade val="50000"/>
+            </a:schemeClr>
+          </a:lnRef>
+          <a:fillRef idx="1">
+            <a:schemeClr val="accent1"/>
+          </a:fillRef>
+          <a:effectRef idx="0">
+            <a:schemeClr val="accent1"/>
+          </a:effectRef>
+          <a:fontRef idx="minor">
+            <a:schemeClr val="lt1"/>
+          </a:fontRef>
+        </p:style>
+        <p:txBody>
+          <a:bodyPr rtlCol="0" anchor="ctr"/>
+          <a:lstStyle/>
+          <a:p>
+            <a:pPr algn="ctr"/>
+            <a:endParaRPr lang="zh-CN" altLang="en-US" sz="900"/>
+          </a:p>
+        </p:txBody>
+      </p:sp>
+      <p:sp>
+        <p:nvSpPr>
+          <p:cNvPr id="13" name="Rectangle 12"/>
+          <p:cNvSpPr/>
+          <p:nvPr/>
+        </p:nvSpPr>
+        <p:spPr>
+          <a:xfrm>
+            <a:off x="3258326" y="2032821"/>
+            <a:ext cx="119180" cy="164275"/>
+          </a:xfrm>
+          <a:prstGeom prst="rect">
+            <a:avLst/>
+          </a:prstGeom>
+          <a:solidFill>
+            <a:schemeClr val="accent1">
+              <a:lumMod val="60000"/>
+              <a:lumOff val="40000"/>
+            </a:schemeClr>
+          </a:solidFill>
+        </p:spPr>
+        <p:style>
+          <a:lnRef idx="2">
+            <a:schemeClr val="accent1">
+              <a:shade val="50000"/>
+            </a:schemeClr>
+          </a:lnRef>
+          <a:fillRef idx="1">
+            <a:schemeClr val="accent1"/>
+          </a:fillRef>
+          <a:effectRef idx="0">
+            <a:schemeClr val="accent1"/>
+          </a:effectRef>
+          <a:fontRef idx="minor">
+            <a:schemeClr val="lt1"/>
+          </a:fontRef>
+        </p:style>
+        <p:txBody>
+          <a:bodyPr rtlCol="0" anchor="ctr"/>
+          <a:lstStyle/>
+          <a:p>
+            <a:pPr algn="ctr"/>
+            <a:endParaRPr lang="zh-CN" altLang="en-US" sz="900"/>
+          </a:p>
+        </p:txBody>
+      </p:sp>
+      <p:cxnSp>
+        <p:nvCxnSpPr>
+          <p:cNvPr id="15" name="Straight Arrow Connector 14"/>
+          <p:cNvCxnSpPr>
+            <a:endCxn id="8" idx="0"/>
+          </p:cNvCxnSpPr>
+          <p:nvPr/>
+        </p:nvCxnSpPr>
+        <p:spPr>
+          <a:xfrm>
+            <a:off x="2271064" y="728283"/>
+            <a:ext cx="215812" cy="293118"/>
+          </a:xfrm>
+          <a:prstGeom prst="straightConnector1">
+            <a:avLst/>
+          </a:prstGeom>
+          <a:ln>
+            <a:tailEnd type="triangle"/>
+          </a:ln>
+        </p:spPr>
+        <p:style>
+          <a:lnRef idx="1">
+            <a:schemeClr val="accent1"/>
+          </a:lnRef>
+          <a:fillRef idx="0">
+            <a:schemeClr val="accent1"/>
+          </a:fillRef>
+          <a:effectRef idx="0">
+            <a:schemeClr val="accent1"/>
+          </a:effectRef>
+          <a:fontRef idx="minor">
+            <a:schemeClr val="tx1"/>
+          </a:fontRef>
+        </p:style>
+      </p:cxnSp>
+      <p:cxnSp>
+        <p:nvCxnSpPr>
+          <p:cNvPr id="16" name="Straight Arrow Connector 15"/>
+          <p:cNvCxnSpPr>
+            <a:endCxn id="9" idx="0"/>
+          </p:cNvCxnSpPr>
+          <p:nvPr/>
+        </p:nvCxnSpPr>
+        <p:spPr>
+          <a:xfrm>
+            <a:off x="2688194" y="728283"/>
+            <a:ext cx="215812" cy="293118"/>
+          </a:xfrm>
+          <a:prstGeom prst="straightConnector1">
+            <a:avLst/>
+          </a:prstGeom>
+          <a:ln>
+            <a:tailEnd type="triangle"/>
+          </a:ln>
+        </p:spPr>
+        <p:style>
+          <a:lnRef idx="1">
+            <a:schemeClr val="accent1"/>
+          </a:lnRef>
+          <a:fillRef idx="0">
+            <a:schemeClr val="accent1"/>
+          </a:fillRef>
+          <a:effectRef idx="0">
+            <a:schemeClr val="accent1"/>
+          </a:effectRef>
+          <a:fontRef idx="minor">
+            <a:schemeClr val="tx1"/>
+          </a:fontRef>
+        </p:style>
+      </p:cxnSp>
+      <p:sp>
+        <p:nvSpPr>
+          <p:cNvPr id="18" name="TextBox 17"/>
+          <p:cNvSpPr txBox="1"/>
+          <p:nvPr/>
+        </p:nvSpPr>
+        <p:spPr>
+          <a:xfrm>
+            <a:off x="1746567" y="782882"/>
+            <a:ext cx="679994" cy="230832"/>
+          </a:xfrm>
+          <a:prstGeom prst="rect">
+            <a:avLst/>
+          </a:prstGeom>
+          <a:noFill/>
+        </p:spPr>
+        <p:txBody>
+          <a:bodyPr wrap="none" rtlCol="0">
+            <a:spAutoFit/>
+          </a:bodyPr>
+          <a:lstStyle/>
+          <a:p>
+            <a:r>
+              <a:rPr lang="en-US" altLang="zh-CN" sz="900" dirty="0" err="1" smtClean="0"/>
+              <a:t>buffer_tag</a:t>
+            </a:r>
+            <a:endParaRPr lang="zh-CN" altLang="en-US" sz="900" dirty="0"/>
+          </a:p>
+        </p:txBody>
+      </p:sp>
+      <p:sp>
+        <p:nvSpPr>
+          <p:cNvPr id="19" name="TextBox 18"/>
+          <p:cNvSpPr txBox="1"/>
+          <p:nvPr/>
+        </p:nvSpPr>
+        <p:spPr>
+          <a:xfrm>
+            <a:off x="2823267" y="782882"/>
+            <a:ext cx="679994" cy="230832"/>
+          </a:xfrm>
+          <a:prstGeom prst="rect">
+            <a:avLst/>
+          </a:prstGeom>
+          <a:noFill/>
+        </p:spPr>
+        <p:txBody>
+          <a:bodyPr wrap="none" rtlCol="0">
+            <a:spAutoFit/>
+          </a:bodyPr>
+          <a:lstStyle/>
+          <a:p>
+            <a:r>
+              <a:rPr lang="en-US" altLang="zh-CN" sz="900" dirty="0" err="1" smtClean="0"/>
+              <a:t>buffer_tag</a:t>
+            </a:r>
+            <a:endParaRPr lang="zh-CN" altLang="en-US" sz="900" dirty="0"/>
+          </a:p>
+        </p:txBody>
+      </p:sp>
+      <p:cxnSp>
+        <p:nvCxnSpPr>
+          <p:cNvPr id="20" name="Straight Arrow Connector 19"/>
+          <p:cNvCxnSpPr>
+            <a:stCxn id="8" idx="2"/>
+            <a:endCxn id="10" idx="0"/>
+          </p:cNvCxnSpPr>
+          <p:nvPr/>
+        </p:nvCxnSpPr>
+        <p:spPr>
+          <a:xfrm flipH="1">
+            <a:off x="2211474" y="1185677"/>
+            <a:ext cx="275402" cy="341434"/>
+          </a:xfrm>
+          <a:prstGeom prst="straightConnector1">
+            <a:avLst/>
+          </a:prstGeom>
+          <a:ln>
+            <a:tailEnd type="triangle"/>
+          </a:ln>
+        </p:spPr>
+        <p:style>
+          <a:lnRef idx="1">
+            <a:schemeClr val="accent1"/>
+          </a:lnRef>
+          <a:fillRef idx="0">
+            <a:schemeClr val="accent1"/>
+          </a:fillRef>
+          <a:effectRef idx="0">
+            <a:schemeClr val="accent1"/>
+          </a:effectRef>
+          <a:fontRef idx="minor">
+            <a:schemeClr val="tx1"/>
+          </a:fontRef>
+        </p:style>
+      </p:cxnSp>
+      <p:cxnSp>
+        <p:nvCxnSpPr>
+          <p:cNvPr id="23" name="Straight Arrow Connector 22"/>
+          <p:cNvCxnSpPr>
+            <a:stCxn id="9" idx="2"/>
+            <a:endCxn id="11" idx="0"/>
+          </p:cNvCxnSpPr>
+          <p:nvPr/>
+        </p:nvCxnSpPr>
+        <p:spPr>
+          <a:xfrm>
+            <a:off x="2904006" y="1185677"/>
+            <a:ext cx="413910" cy="341434"/>
+          </a:xfrm>
+          <a:prstGeom prst="straightConnector1">
+            <a:avLst/>
+          </a:prstGeom>
+          <a:ln>
+            <a:tailEnd type="triangle"/>
+          </a:ln>
+        </p:spPr>
+        <p:style>
+          <a:lnRef idx="1">
+            <a:schemeClr val="accent1"/>
+          </a:lnRef>
+          <a:fillRef idx="0">
+            <a:schemeClr val="accent1"/>
+          </a:fillRef>
+          <a:effectRef idx="0">
+            <a:schemeClr val="accent1"/>
+          </a:effectRef>
+          <a:fontRef idx="minor">
+            <a:schemeClr val="tx1"/>
+          </a:fontRef>
+        </p:style>
+      </p:cxnSp>
+      <p:cxnSp>
+        <p:nvCxnSpPr>
+          <p:cNvPr id="24" name="Straight Arrow Connector 23"/>
+          <p:cNvCxnSpPr>
+            <a:stCxn id="10" idx="2"/>
+            <a:endCxn id="12" idx="0"/>
+          </p:cNvCxnSpPr>
+          <p:nvPr/>
+        </p:nvCxnSpPr>
+        <p:spPr>
+          <a:xfrm>
+            <a:off x="2211474" y="1691386"/>
+            <a:ext cx="0" cy="341434"/>
+          </a:xfrm>
+          <a:prstGeom prst="straightConnector1">
+            <a:avLst/>
+          </a:prstGeom>
+          <a:ln>
+            <a:tailEnd type="triangle"/>
+          </a:ln>
+        </p:spPr>
+        <p:style>
+          <a:lnRef idx="1">
+            <a:schemeClr val="accent1"/>
+          </a:lnRef>
+          <a:fillRef idx="0">
+            <a:schemeClr val="accent1"/>
+          </a:fillRef>
+          <a:effectRef idx="0">
+            <a:schemeClr val="accent1"/>
+          </a:effectRef>
+          <a:fontRef idx="minor">
+            <a:schemeClr val="tx1"/>
+          </a:fontRef>
+        </p:style>
+      </p:cxnSp>
+      <p:cxnSp>
+        <p:nvCxnSpPr>
+          <p:cNvPr id="25" name="Straight Arrow Connector 24"/>
+          <p:cNvCxnSpPr>
+            <a:stCxn id="11" idx="2"/>
+            <a:endCxn id="13" idx="0"/>
+          </p:cNvCxnSpPr>
+          <p:nvPr/>
+        </p:nvCxnSpPr>
+        <p:spPr>
+          <a:xfrm>
+            <a:off x="3317916" y="1691386"/>
+            <a:ext cx="0" cy="341434"/>
+          </a:xfrm>
+          <a:prstGeom prst="straightConnector1">
+            <a:avLst/>
+          </a:prstGeom>
+          <a:ln>
+            <a:tailEnd type="triangle"/>
+          </a:ln>
+        </p:spPr>
+        <p:style>
+          <a:lnRef idx="1">
+            <a:schemeClr val="accent1"/>
+          </a:lnRef>
+          <a:fillRef idx="0">
+            <a:schemeClr val="accent1"/>
+          </a:fillRef>
+          <a:effectRef idx="0">
+            <a:schemeClr val="accent1"/>
+          </a:effectRef>
+          <a:fontRef idx="minor">
+            <a:schemeClr val="tx1"/>
+          </a:fontRef>
+        </p:style>
+      </p:cxnSp>
+      <p:sp>
+        <p:nvSpPr>
+          <p:cNvPr id="32" name="TextBox 31"/>
+          <p:cNvSpPr txBox="1"/>
+          <p:nvPr/>
+        </p:nvSpPr>
+        <p:spPr>
+          <a:xfrm>
+            <a:off x="1764479" y="1245209"/>
+            <a:ext cx="620683" cy="230832"/>
+          </a:xfrm>
+          <a:prstGeom prst="rect">
+            <a:avLst/>
+          </a:prstGeom>
+          <a:noFill/>
+        </p:spPr>
+        <p:txBody>
+          <a:bodyPr wrap="none" rtlCol="0">
+            <a:spAutoFit/>
+          </a:bodyPr>
+          <a:lstStyle/>
+          <a:p>
+            <a:r>
+              <a:rPr lang="en-US" altLang="zh-CN" sz="900" dirty="0" err="1" smtClean="0"/>
+              <a:t>buffer_id</a:t>
+            </a:r>
+            <a:endParaRPr lang="zh-CN" altLang="en-US" sz="900" dirty="0"/>
+          </a:p>
+        </p:txBody>
+      </p:sp>
+      <p:sp>
+        <p:nvSpPr>
+          <p:cNvPr id="33" name="TextBox 32"/>
+          <p:cNvSpPr txBox="1"/>
+          <p:nvPr/>
+        </p:nvSpPr>
+        <p:spPr>
+          <a:xfrm>
+            <a:off x="3171465" y="1245209"/>
+            <a:ext cx="620683" cy="230832"/>
+          </a:xfrm>
+          <a:prstGeom prst="rect">
+            <a:avLst/>
+          </a:prstGeom>
+          <a:noFill/>
+        </p:spPr>
+        <p:txBody>
+          <a:bodyPr wrap="none" rtlCol="0">
+            <a:spAutoFit/>
+          </a:bodyPr>
+          <a:lstStyle/>
+          <a:p>
+            <a:r>
+              <a:rPr lang="en-US" altLang="zh-CN" sz="900" dirty="0" err="1" smtClean="0"/>
+              <a:t>buffer_id</a:t>
+            </a:r>
+            <a:endParaRPr lang="zh-CN" altLang="en-US" sz="900" dirty="0"/>
+          </a:p>
+        </p:txBody>
+      </p:sp>
+      <p:sp>
+        <p:nvSpPr>
+          <p:cNvPr id="34" name="TextBox 33"/>
+          <p:cNvSpPr txBox="1"/>
+          <p:nvPr/>
+        </p:nvSpPr>
+        <p:spPr>
+          <a:xfrm>
+            <a:off x="1650381" y="1762664"/>
+            <a:ext cx="620683" cy="230832"/>
+          </a:xfrm>
+          <a:prstGeom prst="rect">
+            <a:avLst/>
+          </a:prstGeom>
+          <a:noFill/>
+        </p:spPr>
+        <p:txBody>
+          <a:bodyPr wrap="none" rtlCol="0">
+            <a:spAutoFit/>
+          </a:bodyPr>
+          <a:lstStyle/>
+          <a:p>
+            <a:r>
+              <a:rPr lang="en-US" altLang="zh-CN" sz="900" dirty="0" err="1" smtClean="0"/>
+              <a:t>buffer_id</a:t>
+            </a:r>
+            <a:endParaRPr lang="zh-CN" altLang="en-US" sz="900" dirty="0"/>
+          </a:p>
+        </p:txBody>
+      </p:sp>
+      <p:sp>
+        <p:nvSpPr>
+          <p:cNvPr id="35" name="TextBox 34"/>
+          <p:cNvSpPr txBox="1"/>
+          <p:nvPr/>
+        </p:nvSpPr>
+        <p:spPr>
+          <a:xfrm>
+            <a:off x="3305997" y="1762664"/>
+            <a:ext cx="620683" cy="230832"/>
+          </a:xfrm>
+          <a:prstGeom prst="rect">
+            <a:avLst/>
+          </a:prstGeom>
+          <a:noFill/>
+        </p:spPr>
+        <p:txBody>
+          <a:bodyPr wrap="none" rtlCol="0">
+            <a:spAutoFit/>
+          </a:bodyPr>
+          <a:lstStyle/>
+          <a:p>
+            <a:r>
+              <a:rPr lang="en-US" altLang="zh-CN" sz="900" dirty="0" err="1" smtClean="0"/>
+              <a:t>buffer_id</a:t>
+            </a:r>
+            <a:endParaRPr lang="zh-CN" altLang="en-US" sz="900" dirty="0"/>
+          </a:p>
+        </p:txBody>
+      </p:sp>
+      <p:sp>
+        <p:nvSpPr>
+          <p:cNvPr id="36" name="TextBox 35"/>
+          <p:cNvSpPr txBox="1"/>
+          <p:nvPr/>
+        </p:nvSpPr>
+        <p:spPr>
+          <a:xfrm>
+            <a:off x="704007" y="988122"/>
+            <a:ext cx="756938" cy="230832"/>
+          </a:xfrm>
+          <a:prstGeom prst="rect">
+            <a:avLst/>
+          </a:prstGeom>
+          <a:noFill/>
+        </p:spPr>
+        <p:txBody>
+          <a:bodyPr wrap="none" rtlCol="0">
+            <a:spAutoFit/>
+          </a:bodyPr>
+          <a:lstStyle/>
+          <a:p>
+            <a:r>
+              <a:rPr lang="en-US" altLang="zh-CN" sz="900" b="1" dirty="0" smtClean="0"/>
+              <a:t>Buffer table</a:t>
+            </a:r>
+            <a:endParaRPr lang="zh-CN" altLang="en-US" sz="900" b="1" dirty="0"/>
+          </a:p>
+        </p:txBody>
+      </p:sp>
+      <p:sp>
+        <p:nvSpPr>
+          <p:cNvPr id="37" name="TextBox 36"/>
+          <p:cNvSpPr txBox="1"/>
+          <p:nvPr/>
+        </p:nvSpPr>
+        <p:spPr>
+          <a:xfrm>
+            <a:off x="704007" y="1493832"/>
+            <a:ext cx="1002197" cy="230832"/>
+          </a:xfrm>
+          <a:prstGeom prst="rect">
+            <a:avLst/>
+          </a:prstGeom>
+          <a:noFill/>
+        </p:spPr>
+        <p:txBody>
+          <a:bodyPr wrap="none" rtlCol="0">
+            <a:spAutoFit/>
+          </a:bodyPr>
+          <a:lstStyle/>
+          <a:p>
+            <a:r>
+              <a:rPr lang="en-US" altLang="zh-CN" sz="900" b="1" dirty="0" smtClean="0"/>
+              <a:t>Buffer descriptor</a:t>
+            </a:r>
+            <a:endParaRPr lang="zh-CN" altLang="en-US" sz="900" b="1" dirty="0"/>
+          </a:p>
+        </p:txBody>
+      </p:sp>
+      <p:sp>
+        <p:nvSpPr>
+          <p:cNvPr id="38" name="TextBox 37"/>
+          <p:cNvSpPr txBox="1"/>
+          <p:nvPr/>
+        </p:nvSpPr>
+        <p:spPr>
+          <a:xfrm>
+            <a:off x="707782" y="1999542"/>
+            <a:ext cx="726481" cy="230832"/>
+          </a:xfrm>
+          <a:prstGeom prst="rect">
+            <a:avLst/>
+          </a:prstGeom>
+          <a:noFill/>
+        </p:spPr>
+        <p:txBody>
+          <a:bodyPr wrap="none" rtlCol="0">
+            <a:spAutoFit/>
+          </a:bodyPr>
+          <a:lstStyle/>
+          <a:p>
+            <a:r>
+              <a:rPr lang="en-US" altLang="zh-CN" sz="900" b="1" dirty="0" smtClean="0"/>
+              <a:t>Buffer pool</a:t>
+            </a:r>
+            <a:endParaRPr lang="zh-CN" altLang="en-US" sz="900" b="1" dirty="0"/>
+          </a:p>
+        </p:txBody>
+      </p:sp>
+    </p:spTree>
+    <p:extLst>
+      <p:ext uri="{BB962C8B-B14F-4D97-AF65-F5344CB8AC3E}">
+        <p14:creationId xmlns:p14="http://schemas.microsoft.com/office/powerpoint/2010/main" val="3179136343"/>
       </p:ext>
     </p:extLst>
   </p:cSld>
